--- a/FacultyHack Sungbum Poster [Autosaved].pptx
+++ b/FacultyHack Sungbum Poster [Autosaved].pptx
@@ -19325,8 +19325,8 @@
         </p:nvSpPr>
         <p:spPr>
           <a:xfrm>
-            <a:off x="290933" y="4622950"/>
-            <a:ext cx="7315200" cy="23349429"/>
+            <a:off x="242852" y="5440275"/>
+            <a:ext cx="7315200" cy="18252649"/>
           </a:xfrm>
           <a:prstGeom prst="rect">
             <a:avLst/>
@@ -19354,151 +19354,7 @@
                 <a:ea typeface="Malgun Gothic" panose="020B0503020000020004" pitchFamily="34" charset="-127"/>
                 <a:cs typeface="Times New Roman" panose="02020603050405020304" pitchFamily="18" charset="0"/>
               </a:rPr>
-              <a:t>Recent changes in industry want to acquire workforce to developing software for parallel computing such as multicore CPUs, GPUs. Unlike the sequential computing environment, personals who want to work for this area must be familiar to the new hardware environment.  The course is for the junior or senior Computer Science (CS) and Computer Engineering (CE) major students. Based on the curriculum, all students finished programming languages, operating systems, computer architecture and data structure courses to make sequential programs.  The Parallel Programming education for CS and CE majors will play a major role in preparing well trained graduates to join this workforce. From the course, we are going to focus on improving hands on skills and understating and implementing parallel algorithms. For  the course the students implement three parallel algorithms: </a:t>
-            </a:r>
-            <a:r>
-              <a:rPr lang="en-US" sz="3200" dirty="0" err="1">
-                <a:effectLst/>
-                <a:latin typeface="Calibri" panose="020F0502020204030204" pitchFamily="34" charset="0"/>
-                <a:ea typeface="Malgun Gothic" panose="020B0503020000020004" pitchFamily="34" charset="-127"/>
-                <a:cs typeface="Times New Roman" panose="02020603050405020304" pitchFamily="18" charset="0"/>
-              </a:rPr>
-              <a:t>i</a:t>
-            </a:r>
-            <a:r>
-              <a:rPr lang="en-US" sz="3200" dirty="0">
-                <a:effectLst/>
-                <a:latin typeface="Calibri" panose="020F0502020204030204" pitchFamily="34" charset="0"/>
-                <a:ea typeface="Malgun Gothic" panose="020B0503020000020004" pitchFamily="34" charset="-127"/>
-                <a:cs typeface="Times New Roman" panose="02020603050405020304" pitchFamily="18" charset="0"/>
-              </a:rPr>
-              <a:t>)</a:t>
-            </a:r>
-            <a:r>
-              <a:rPr lang="en-US" sz="3200" dirty="0">
-                <a:solidFill>
-                  <a:srgbClr val="212529"/>
-                </a:solidFill>
-                <a:highlight>
-                  <a:srgbClr val="FFFFFF"/>
-                </a:highlight>
-                <a:latin typeface="Times New Roman" panose="02020603050405020304" pitchFamily="18" charset="0"/>
-                <a:ea typeface="Malgun Gothic" panose="020B0503020000020004" pitchFamily="34" charset="-127"/>
-                <a:cs typeface="Times New Roman" panose="02020603050405020304" pitchFamily="18" charset="0"/>
-              </a:rPr>
-              <a:t> </a:t>
-            </a:r>
-            <a:r>
-              <a:rPr lang="en-US" sz="3200" dirty="0">
-                <a:solidFill>
-                  <a:srgbClr val="212529"/>
-                </a:solidFill>
-                <a:effectLst/>
-                <a:highlight>
-                  <a:srgbClr val="FFFFFF"/>
-                </a:highlight>
-                <a:latin typeface="Times New Roman" panose="02020603050405020304" pitchFamily="18" charset="0"/>
-                <a:ea typeface="Times New Roman" panose="02020603050405020304" pitchFamily="18" charset="0"/>
-              </a:rPr>
-              <a:t>Fibonacci computation</a:t>
-            </a:r>
-            <a:r>
-              <a:rPr lang="en-US" sz="3200" dirty="0">
-                <a:solidFill>
-                  <a:srgbClr val="212529"/>
-                </a:solidFill>
-                <a:highlight>
-                  <a:srgbClr val="FFFFFF"/>
-                </a:highlight>
-                <a:latin typeface="Arial" panose="020B0604020202020204" pitchFamily="34" charset="0"/>
-                <a:ea typeface="Malgun Gothic" panose="020B0503020000020004" pitchFamily="34" charset="-127"/>
-              </a:rPr>
-              <a:t> </a:t>
-            </a:r>
-            <a:r>
-              <a:rPr lang="en-US" sz="3200" dirty="0">
-                <a:effectLst/>
-                <a:latin typeface="Times New Roman" panose="02020603050405020304" pitchFamily="18" charset="0"/>
-                <a:ea typeface="Times New Roman" panose="02020603050405020304" pitchFamily="18" charset="0"/>
-              </a:rPr>
-              <a:t>Algorithms;</a:t>
-            </a:r>
-            <a:r>
-              <a:rPr lang="en-US" sz="3200" dirty="0">
-                <a:effectLst/>
-                <a:latin typeface="Calibri" panose="020F0502020204030204" pitchFamily="34" charset="0"/>
-                <a:ea typeface="Malgun Gothic" panose="020B0503020000020004" pitchFamily="34" charset="-127"/>
-                <a:cs typeface="Times New Roman" panose="02020603050405020304" pitchFamily="18" charset="0"/>
-              </a:rPr>
-              <a:t> ii)</a:t>
-            </a:r>
-            <a:r>
-              <a:rPr lang="en-US" sz="3200" dirty="0">
-                <a:effectLst/>
-                <a:latin typeface="Times New Roman" panose="02020603050405020304" pitchFamily="18" charset="0"/>
-                <a:ea typeface="Times New Roman" panose="02020603050405020304" pitchFamily="18" charset="0"/>
-              </a:rPr>
-              <a:t> </a:t>
-            </a:r>
-            <a:r>
-              <a:rPr lang="en-US" sz="3200" dirty="0">
-                <a:solidFill>
-                  <a:srgbClr val="001D35"/>
-                </a:solidFill>
-                <a:effectLst/>
-                <a:latin typeface="Calibri" panose="020F0502020204030204" pitchFamily="34" charset="0"/>
-                <a:ea typeface="Malgun Gothic" panose="020B0503020000020004" pitchFamily="34" charset="-127"/>
-                <a:cs typeface="Calibri" panose="020F0502020204030204" pitchFamily="34" charset="0"/>
-              </a:rPr>
-              <a:t>Principal Component Analysis</a:t>
-            </a:r>
-            <a:r>
-              <a:rPr lang="en-US" sz="3200" dirty="0">
-                <a:effectLst/>
-                <a:latin typeface="Calibri" panose="020F0502020204030204" pitchFamily="34" charset="0"/>
-                <a:ea typeface="Malgun Gothic" panose="020B0503020000020004" pitchFamily="34" charset="-127"/>
-                <a:cs typeface="Times New Roman" panose="02020603050405020304" pitchFamily="18" charset="0"/>
-              </a:rPr>
-              <a:t> (PCA) for Large Data Sets with Parallel Data Summarization; iii) Parallel algorithm for DNA sequence. OpenMP, </a:t>
-            </a:r>
-            <a:r>
-              <a:rPr lang="en-US" sz="3200" i="0" dirty="0">
-                <a:solidFill>
-                  <a:srgbClr val="000000"/>
-                </a:solidFill>
-                <a:effectLst/>
-                <a:latin typeface="Calibri" panose="020F0502020204030204" pitchFamily="34" charset="0"/>
-                <a:ea typeface="Malgun Gothic" panose="020B0503020000020004" pitchFamily="34" charset="-127"/>
-                <a:cs typeface="Times New Roman" panose="02020603050405020304" pitchFamily="18" charset="0"/>
-              </a:rPr>
-              <a:t>Message Passing Interface (</a:t>
-            </a:r>
-            <a:r>
-              <a:rPr lang="en-US" sz="3200" dirty="0">
-                <a:effectLst/>
-                <a:latin typeface="Calibri" panose="020F0502020204030204" pitchFamily="34" charset="0"/>
-                <a:ea typeface="Malgun Gothic" panose="020B0503020000020004" pitchFamily="34" charset="-127"/>
-                <a:cs typeface="Times New Roman" panose="02020603050405020304" pitchFamily="18" charset="0"/>
-              </a:rPr>
-              <a:t>MPI) and </a:t>
-            </a:r>
-            <a:r>
-              <a:rPr lang="en-US" sz="3200" dirty="0" err="1">
-                <a:effectLst/>
-                <a:latin typeface="Calibri" panose="020F0502020204030204" pitchFamily="34" charset="0"/>
-                <a:ea typeface="Malgun Gothic" panose="020B0503020000020004" pitchFamily="34" charset="-127"/>
-                <a:cs typeface="Times New Roman" panose="02020603050405020304" pitchFamily="18" charset="0"/>
-              </a:rPr>
-              <a:t>OpenACC</a:t>
-            </a:r>
-            <a:r>
-              <a:rPr lang="en-US" sz="3200" dirty="0">
-                <a:effectLst/>
-                <a:latin typeface="Calibri" panose="020F0502020204030204" pitchFamily="34" charset="0"/>
-                <a:ea typeface="Malgun Gothic" panose="020B0503020000020004" pitchFamily="34" charset="-127"/>
-                <a:cs typeface="Times New Roman" panose="02020603050405020304" pitchFamily="18" charset="0"/>
-              </a:rPr>
-              <a:t> are going to use to implement the algorithms. These projects require a large space for large data sets  and computing power. As part of this effort, some of the NSF/IEEE-TCPP curriculum initiative on Parallel and Distributed Computing (PDC) modules were  integrated into department-wide core and elective courses offered in both fall and spring semesters. CSC 325 Operating Systems (core), and CSC 425 Parallel Computing (elective).</a:t>
+              <a:t>Recent changes in industry want to acquire workforce to developing software for parallel computing such as multicore CPUs, GPUs. Unlike the sequential computing environment, personals who want to work for this area must be familiar to the new hardware environment.  The course is for the junior or senior Computer Science (CS) and Computer Engineering (CE) major students. Based on the curriculum, all students finished programming languages, operating systems, computer architecture and data structure courses to make sequential programs.  The Parallel Programming education for CS and CE majors will play a major role in preparing well trained graduates to join this workforce. From the course, we are going to focus on improving hands on skills and understating and implementing parallel algorithms. These projects require a large space for large data sets  and computing power. As part of this effort, some of the NSF/IEEE-TCPP curriculum initiative on Parallel and Distributed Computing (PDC) modules were  integrated into department-wide core and elective courses offered in both fall and spring semesters. CSC 325 Operating Systems (core), and CSC 425 Parallel Computing (elective).</a:t>
             </a:r>
           </a:p>
         </p:txBody>
@@ -19511,7 +19367,7 @@
         </p:nvSpPr>
         <p:spPr>
           <a:xfrm>
-            <a:off x="307974" y="3512669"/>
+            <a:off x="242852" y="4020312"/>
             <a:ext cx="7315200" cy="1200375"/>
           </a:xfrm>
           <a:prstGeom prst="rect">
@@ -19579,7 +19435,7 @@
         </p:nvSpPr>
         <p:spPr>
           <a:xfrm>
-            <a:off x="338265" y="27171026"/>
+            <a:off x="331405" y="23682433"/>
             <a:ext cx="7315200" cy="1200000"/>
           </a:xfrm>
           <a:prstGeom prst="rect">
@@ -23900,8 +23756,8 @@
         </p:nvSpPr>
         <p:spPr>
           <a:xfrm>
-            <a:off x="316484" y="28547173"/>
-            <a:ext cx="7298180" cy="1169551"/>
+            <a:off x="375376" y="25217206"/>
+            <a:ext cx="7298180" cy="5232202"/>
           </a:xfrm>
           <a:prstGeom prst="rect">
             <a:avLst/>
@@ -23914,17 +23770,109 @@
           </a:bodyPr>
           <a:lstStyle/>
           <a:p>
+            <a:endParaRPr lang="en-US" sz="3200" dirty="0">
+              <a:effectLst/>
+              <a:latin typeface="Calibri" panose="020F0502020204030204" pitchFamily="34" charset="0"/>
+              <a:ea typeface="Malgun Gothic" panose="020B0503020000020004" pitchFamily="34" charset="-127"/>
+              <a:cs typeface="Times New Roman" panose="02020603050405020304" pitchFamily="18" charset="0"/>
+            </a:endParaRPr>
+          </a:p>
+          <a:p>
             <a:r>
-              <a:rPr lang="en-US" sz="1400" dirty="0">
+              <a:rPr lang="en-US" sz="3200" dirty="0">
                 <a:effectLst/>
                 <a:latin typeface="Calibri" panose="020F0502020204030204" pitchFamily="34" charset="0"/>
                 <a:ea typeface="Malgun Gothic" panose="020B0503020000020004" pitchFamily="34" charset="-127"/>
                 <a:cs typeface="Times New Roman" panose="02020603050405020304" pitchFamily="18" charset="0"/>
               </a:rPr>
-              <a:t>For the second project, we are going to implement the </a:t>
+              <a:t>For  the course the students implement three parallel algorithms: </a:t>
             </a:r>
             <a:r>
-              <a:rPr lang="en-US" sz="1400" dirty="0">
+              <a:rPr lang="en-US" sz="3200" dirty="0" err="1">
+                <a:effectLst/>
+                <a:latin typeface="Calibri" panose="020F0502020204030204" pitchFamily="34" charset="0"/>
+                <a:ea typeface="Malgun Gothic" panose="020B0503020000020004" pitchFamily="34" charset="-127"/>
+                <a:cs typeface="Times New Roman" panose="02020603050405020304" pitchFamily="18" charset="0"/>
+              </a:rPr>
+              <a:t>i</a:t>
+            </a:r>
+            <a:r>
+              <a:rPr lang="en-US" sz="3200" dirty="0">
+                <a:effectLst/>
+                <a:latin typeface="Calibri" panose="020F0502020204030204" pitchFamily="34" charset="0"/>
+                <a:ea typeface="Malgun Gothic" panose="020B0503020000020004" pitchFamily="34" charset="-127"/>
+                <a:cs typeface="Times New Roman" panose="02020603050405020304" pitchFamily="18" charset="0"/>
+              </a:rPr>
+              <a:t>)</a:t>
+            </a:r>
+            <a:r>
+              <a:rPr lang="en-US" sz="3200" dirty="0">
+                <a:solidFill>
+                  <a:srgbClr val="212529"/>
+                </a:solidFill>
+                <a:highlight>
+                  <a:srgbClr val="FFFFFF"/>
+                </a:highlight>
+                <a:latin typeface="Times New Roman" panose="02020603050405020304" pitchFamily="18" charset="0"/>
+                <a:ea typeface="Malgun Gothic" panose="020B0503020000020004" pitchFamily="34" charset="-127"/>
+                <a:cs typeface="Times New Roman" panose="02020603050405020304" pitchFamily="18" charset="0"/>
+              </a:rPr>
+              <a:t> </a:t>
+            </a:r>
+            <a:r>
+              <a:rPr lang="en-US" sz="3200" dirty="0">
+                <a:solidFill>
+                  <a:srgbClr val="212529"/>
+                </a:solidFill>
+                <a:effectLst/>
+                <a:highlight>
+                  <a:srgbClr val="FFFFFF"/>
+                </a:highlight>
+                <a:latin typeface="Times New Roman" panose="02020603050405020304" pitchFamily="18" charset="0"/>
+                <a:ea typeface="Times New Roman" panose="02020603050405020304" pitchFamily="18" charset="0"/>
+              </a:rPr>
+              <a:t>Fibonacci computation</a:t>
+            </a:r>
+            <a:r>
+              <a:rPr lang="en-US" sz="3200" dirty="0">
+                <a:solidFill>
+                  <a:srgbClr val="212529"/>
+                </a:solidFill>
+                <a:highlight>
+                  <a:srgbClr val="FFFFFF"/>
+                </a:highlight>
+                <a:latin typeface="Arial" panose="020B0604020202020204" pitchFamily="34" charset="0"/>
+                <a:ea typeface="Malgun Gothic" panose="020B0503020000020004" pitchFamily="34" charset="-127"/>
+              </a:rPr>
+              <a:t> </a:t>
+            </a:r>
+            <a:r>
+              <a:rPr lang="en-US" sz="3200" dirty="0">
+                <a:effectLst/>
+                <a:latin typeface="Times New Roman" panose="02020603050405020304" pitchFamily="18" charset="0"/>
+                <a:ea typeface="Times New Roman" panose="02020603050405020304" pitchFamily="18" charset="0"/>
+              </a:rPr>
+              <a:t>Algorithms;</a:t>
+            </a:r>
+            <a:r>
+              <a:rPr lang="en-US" sz="3200" dirty="0">
+                <a:effectLst/>
+                <a:latin typeface="Calibri" panose="020F0502020204030204" pitchFamily="34" charset="0"/>
+                <a:ea typeface="Malgun Gothic" panose="020B0503020000020004" pitchFamily="34" charset="-127"/>
+                <a:cs typeface="Times New Roman" panose="02020603050405020304" pitchFamily="18" charset="0"/>
+              </a:rPr>
+              <a:t> ii)</a:t>
+            </a:r>
+            <a:r>
+              <a:rPr lang="en-US" sz="3200" dirty="0">
+                <a:effectLst/>
+                <a:latin typeface="Times New Roman" panose="02020603050405020304" pitchFamily="18" charset="0"/>
+                <a:ea typeface="Times New Roman" panose="02020603050405020304" pitchFamily="18" charset="0"/>
+              </a:rPr>
+              <a:t> </a:t>
+            </a:r>
+            <a:r>
+              <a:rPr lang="en-US" sz="3200" dirty="0">
                 <a:solidFill>
                   <a:srgbClr val="001D35"/>
                 </a:solidFill>
@@ -23936,24 +23884,54 @@
               <a:t>Principal Component Analysis</a:t>
             </a:r>
             <a:r>
-              <a:rPr lang="en-US" sz="1400" dirty="0">
+              <a:rPr lang="en-US" sz="3200" dirty="0">
                 <a:effectLst/>
                 <a:latin typeface="Calibri" panose="020F0502020204030204" pitchFamily="34" charset="0"/>
                 <a:ea typeface="Malgun Gothic" panose="020B0503020000020004" pitchFamily="34" charset="-127"/>
                 <a:cs typeface="Times New Roman" panose="02020603050405020304" pitchFamily="18" charset="0"/>
               </a:rPr>
-              <a:t> (PCA) for Large Data Sets with Parallel Data Summarization. </a:t>
+              <a:t> (PCA) for Large Data Sets with Parallel Data Summarization; iii) Parallel algorithm for DNA sequence. OpenMP, </a:t>
             </a:r>
-          </a:p>
-          <a:p>
-            <a:endParaRPr lang="en-US" dirty="0">
-              <a:latin typeface="Calibri" panose="020F0502020204030204" pitchFamily="34" charset="0"/>
-              <a:ea typeface="Malgun Gothic" panose="020B0503020000020004" pitchFamily="34" charset="-127"/>
-              <a:cs typeface="Times New Roman" panose="02020603050405020304" pitchFamily="18" charset="0"/>
-            </a:endParaRPr>
-          </a:p>
-          <a:p>
-            <a:endParaRPr lang="en-US" dirty="0">
+            <a:r>
+              <a:rPr lang="en-US" sz="3200" i="0" dirty="0">
+                <a:solidFill>
+                  <a:srgbClr val="000000"/>
+                </a:solidFill>
+                <a:effectLst/>
+                <a:latin typeface="Calibri" panose="020F0502020204030204" pitchFamily="34" charset="0"/>
+                <a:ea typeface="Malgun Gothic" panose="020B0503020000020004" pitchFamily="34" charset="-127"/>
+                <a:cs typeface="Times New Roman" panose="02020603050405020304" pitchFamily="18" charset="0"/>
+              </a:rPr>
+              <a:t>Message Passing Interface (</a:t>
+            </a:r>
+            <a:r>
+              <a:rPr lang="en-US" sz="3200" dirty="0">
+                <a:effectLst/>
+                <a:latin typeface="Calibri" panose="020F0502020204030204" pitchFamily="34" charset="0"/>
+                <a:ea typeface="Malgun Gothic" panose="020B0503020000020004" pitchFamily="34" charset="-127"/>
+                <a:cs typeface="Times New Roman" panose="02020603050405020304" pitchFamily="18" charset="0"/>
+              </a:rPr>
+              <a:t>MPI) and </a:t>
+            </a:r>
+            <a:r>
+              <a:rPr lang="en-US" sz="3200" dirty="0" err="1">
+                <a:effectLst/>
+                <a:latin typeface="Calibri" panose="020F0502020204030204" pitchFamily="34" charset="0"/>
+                <a:ea typeface="Malgun Gothic" panose="020B0503020000020004" pitchFamily="34" charset="-127"/>
+                <a:cs typeface="Times New Roman" panose="02020603050405020304" pitchFamily="18" charset="0"/>
+              </a:rPr>
+              <a:t>OpenACC</a:t>
+            </a:r>
+            <a:r>
+              <a:rPr lang="en-US" sz="3200" dirty="0">
+                <a:effectLst/>
+                <a:latin typeface="Calibri" panose="020F0502020204030204" pitchFamily="34" charset="0"/>
+                <a:ea typeface="Malgun Gothic" panose="020B0503020000020004" pitchFamily="34" charset="-127"/>
+                <a:cs typeface="Times New Roman" panose="02020603050405020304" pitchFamily="18" charset="0"/>
+              </a:rPr>
+              <a:t> are going to be used to implement the algorithms. </a:t>
+            </a:r>
+            <a:endParaRPr lang="en-US" sz="3200" dirty="0">
               <a:latin typeface="Calibri" panose="020F0502020204030204" pitchFamily="34" charset="0"/>
               <a:ea typeface="Malgun Gothic" panose="020B0503020000020004" pitchFamily="34" charset="-127"/>
               <a:cs typeface="Times New Roman" panose="02020603050405020304" pitchFamily="18" charset="0"/>
